--- a/presentation/NTK presentation.pptx
+++ b/presentation/NTK presentation.pptx
@@ -6,8 +6,8 @@
   </p:sldMasterIdLst>
   <p:sldIdLst>
     <p:sldId id="257" r:id="rId2"/>
-    <p:sldId id="258" r:id="rId3"/>
-    <p:sldId id="259" r:id="rId4"/>
+    <p:sldId id="259" r:id="rId3"/>
+    <p:sldId id="263" r:id="rId4"/>
     <p:sldId id="260" r:id="rId5"/>
     <p:sldId id="261" r:id="rId6"/>
     <p:sldId id="262" r:id="rId7"/>
@@ -4011,14 +4011,6 @@
 <file path=ppt/slides/slide2.xml><?xml version="1.0" encoding="utf-8"?>
 <p:sld xmlns:a="http://schemas.openxmlformats.org/drawingml/2006/main" xmlns:r="http://schemas.openxmlformats.org/officeDocument/2006/relationships" xmlns:p="http://schemas.openxmlformats.org/presentationml/2006/main">
   <p:cSld>
-    <p:bg>
-      <p:bgPr>
-        <a:solidFill>
-          <a:schemeClr val="bg1"/>
-        </a:solidFill>
-        <a:effectLst/>
-      </p:bgPr>
-    </p:bg>
     <p:spTree>
       <p:nvGrpSpPr>
         <p:cNvPr id="1" name=""/>
@@ -4035,205 +4027,83 @@
       </p:grpSpPr>
       <p:sp>
         <p:nvSpPr>
-          <p:cNvPr id="47" name="Rectangle 46">
-            <a:extLst>
-              <a:ext uri="{FF2B5EF4-FFF2-40B4-BE49-F238E27FC236}">
-                <a16:creationId xmlns:a16="http://schemas.microsoft.com/office/drawing/2014/main" id="{FBDCECDC-EEE3-4128-AA5E-82A8C08796E8}"/>
-              </a:ext>
-              <a:ext uri="{C183D7F6-B498-43B3-948B-1728B52AA6E4}">
-                <adec:decorative xmlns:adec="http://schemas.microsoft.com/office/drawing/2017/decorative" val="1"/>
-              </a:ext>
-            </a:extLst>
-          </p:cNvPr>
-          <p:cNvSpPr>
-            <a:spLocks noGrp="1" noRot="1" noChangeAspect="1" noMove="1" noResize="1" noEditPoints="1" noAdjustHandles="1" noChangeArrowheads="1" noChangeShapeType="1" noTextEdit="1"/>
-          </p:cNvSpPr>
-          <p:nvPr>
-            <p:extLst>
-              <p:ext uri="{386F3935-93C4-4BCD-93E2-E3B085C9AB24}">
-                <p16:designElem xmlns:p16="http://schemas.microsoft.com/office/powerpoint/2015/main" val="1"/>
-              </p:ext>
-            </p:extLst>
-          </p:nvPr>
-        </p:nvSpPr>
-        <p:spPr>
-          <a:xfrm>
-            <a:off x="1507" y="0"/>
-            <a:ext cx="12192000" cy="6858000"/>
-          </a:xfrm>
-          <a:prstGeom prst="rect">
-            <a:avLst/>
-          </a:prstGeom>
-          <a:solidFill>
-            <a:schemeClr val="accent1"/>
-          </a:solidFill>
-          <a:ln>
-            <a:noFill/>
-          </a:ln>
-        </p:spPr>
-        <p:style>
-          <a:lnRef idx="2">
-            <a:schemeClr val="accent1">
-              <a:shade val="50000"/>
-            </a:schemeClr>
-          </a:lnRef>
-          <a:fillRef idx="1">
-            <a:schemeClr val="accent1"/>
-          </a:fillRef>
-          <a:effectRef idx="0">
-            <a:schemeClr val="accent1"/>
-          </a:effectRef>
-          <a:fontRef idx="minor">
-            <a:schemeClr val="lt1"/>
-          </a:fontRef>
-        </p:style>
-        <p:txBody>
-          <a:bodyPr rtlCol="0" anchor="ctr"/>
-          <a:lstStyle/>
-          <a:p>
-            <a:pPr algn="ctr"/>
-            <a:endParaRPr lang="en-US"/>
-          </a:p>
-        </p:txBody>
-      </p:sp>
-      <p:sp>
-        <p:nvSpPr>
           <p:cNvPr id="2" name="Title 1">
             <a:extLst>
               <a:ext uri="{FF2B5EF4-FFF2-40B4-BE49-F238E27FC236}">
-                <a16:creationId xmlns:a16="http://schemas.microsoft.com/office/drawing/2014/main" id="{9AB2EA78-AEB3-469B-9025-3B17201A457B}"/>
-              </a:ext>
-            </a:extLst>
-          </p:cNvPr>
-          <p:cNvSpPr>
-            <a:spLocks noGrp="1"/>
-          </p:cNvSpPr>
-          <p:nvPr>
-            <p:ph type="ctrTitle"/>
-          </p:nvPr>
-        </p:nvSpPr>
-        <p:spPr>
-          <a:xfrm>
-            <a:off x="1097280" y="758952"/>
-            <a:ext cx="10058400" cy="3892168"/>
-          </a:xfrm>
-        </p:spPr>
-        <p:txBody>
-          <a:bodyPr anchor="ctr">
-            <a:normAutofit/>
-          </a:bodyPr>
-          <a:lstStyle/>
-          <a:p>
-            <a:pPr lvl="0"/>
-            <a:r>
-              <a:rPr lang="en-US" sz="4800" i="1" dirty="0">
-                <a:solidFill>
-                  <a:srgbClr val="FFFFFF"/>
-                </a:solidFill>
+                <a16:creationId xmlns:a16="http://schemas.microsoft.com/office/drawing/2014/main" id="{A3B6075C-8C90-45BF-BC33-F019F33C5350}"/>
+              </a:ext>
+            </a:extLst>
+          </p:cNvPr>
+          <p:cNvSpPr>
+            <a:spLocks noGrp="1"/>
+          </p:cNvSpPr>
+          <p:nvPr>
+            <p:ph type="title"/>
+          </p:nvPr>
+        </p:nvSpPr>
+        <p:spPr/>
+        <p:txBody>
+          <a:bodyPr/>
+          <a:lstStyle/>
+          <a:p>
+            <a:r>
+              <a:rPr lang="en-US" dirty="0"/>
+              <a:t>Neural Tangent Kernel </a:t>
+            </a:r>
+          </a:p>
+        </p:txBody>
+      </p:sp>
+      <p:sp>
+        <p:nvSpPr>
+          <p:cNvPr id="3" name="Content Placeholder 2">
+            <a:extLst>
+              <a:ext uri="{FF2B5EF4-FFF2-40B4-BE49-F238E27FC236}">
+                <a16:creationId xmlns:a16="http://schemas.microsoft.com/office/drawing/2014/main" id="{534A4548-DE4C-4AA2-A290-CABE60F7331B}"/>
+              </a:ext>
+            </a:extLst>
+          </p:cNvPr>
+          <p:cNvSpPr>
+            <a:spLocks noGrp="1"/>
+          </p:cNvSpPr>
+          <p:nvPr>
+            <p:ph idx="1"/>
+          </p:nvPr>
+        </p:nvSpPr>
+        <p:spPr/>
+        <p:txBody>
+          <a:bodyPr/>
+          <a:lstStyle/>
+          <a:p>
+            <a:r>
+              <a:rPr lang="en-US" dirty="0"/>
+              <a:t>Introduce NTK</a:t>
+            </a:r>
+          </a:p>
+          <a:p>
+            <a:r>
+              <a:rPr lang="en-US" dirty="0"/>
+              <a:t>Investigating the reproducing kernel Hilbert space (RKHS) associated to the NTK. </a:t>
+            </a:r>
+          </a:p>
+          <a:p>
+            <a:r>
+              <a:rPr lang="en-US" dirty="0"/>
+              <a:t>Studying the RKHS </a:t>
+            </a:r>
+            <a:r>
+              <a:rPr lang="en-US" dirty="0">
+                <a:sym typeface="Wingdings" panose="05000000000000000000" pitchFamily="2" charset="2"/>
               </a:rPr>
-              <a:t>Your best quote that reflects your approach… “It’s one small step for man, one giant leap for mankind.”</a:t>
-            </a:r>
-          </a:p>
-        </p:txBody>
-      </p:sp>
-      <p:sp>
-        <p:nvSpPr>
-          <p:cNvPr id="49" name="Rectangle 48">
-            <a:extLst>
-              <a:ext uri="{FF2B5EF4-FFF2-40B4-BE49-F238E27FC236}">
-                <a16:creationId xmlns:a16="http://schemas.microsoft.com/office/drawing/2014/main" id="{4260EDE0-989C-4E16-AF94-F652294D828E}"/>
-              </a:ext>
-              <a:ext uri="{C183D7F6-B498-43B3-948B-1728B52AA6E4}">
-                <adec:decorative xmlns:adec="http://schemas.microsoft.com/office/drawing/2017/decorative" val="1"/>
-              </a:ext>
-            </a:extLst>
-          </p:cNvPr>
-          <p:cNvSpPr>
-            <a:spLocks noGrp="1" noRot="1" noChangeAspect="1" noMove="1" noResize="1" noEditPoints="1" noAdjustHandles="1" noChangeArrowheads="1" noChangeShapeType="1" noTextEdit="1"/>
-          </p:cNvSpPr>
-          <p:nvPr>
-            <p:extLst>
-              <p:ext uri="{386F3935-93C4-4BCD-93E2-E3B085C9AB24}">
-                <p16:designElem xmlns:p16="http://schemas.microsoft.com/office/powerpoint/2015/main" val="1"/>
-              </p:ext>
-            </p:extLst>
-          </p:nvPr>
-        </p:nvSpPr>
-        <p:spPr bwMode="white">
-          <a:xfrm>
-            <a:off x="1507" y="4953000"/>
-            <a:ext cx="12188952" cy="1905000"/>
-          </a:xfrm>
-          <a:prstGeom prst="rect">
-            <a:avLst/>
-          </a:prstGeom>
-          <a:solidFill>
-            <a:srgbClr val="262626"/>
-          </a:solidFill>
-          <a:ln>
-            <a:noFill/>
-          </a:ln>
-        </p:spPr>
-        <p:style>
-          <a:lnRef idx="2">
-            <a:schemeClr val="accent1">
-              <a:shade val="50000"/>
-            </a:schemeClr>
-          </a:lnRef>
-          <a:fillRef idx="1">
-            <a:schemeClr val="accent1"/>
-          </a:fillRef>
-          <a:effectRef idx="0">
-            <a:schemeClr val="accent1"/>
-          </a:effectRef>
-          <a:fontRef idx="minor">
-            <a:schemeClr val="lt1"/>
-          </a:fontRef>
-        </p:style>
-      </p:sp>
-      <p:sp>
-        <p:nvSpPr>
-          <p:cNvPr id="3" name="Subtitle 2">
-            <a:extLst>
-              <a:ext uri="{FF2B5EF4-FFF2-40B4-BE49-F238E27FC236}">
-                <a16:creationId xmlns:a16="http://schemas.microsoft.com/office/drawing/2014/main" id="{255E1F2F-E259-4EA8-9FFD-3A10AF541859}"/>
-              </a:ext>
-            </a:extLst>
-          </p:cNvPr>
-          <p:cNvSpPr>
-            <a:spLocks noGrp="1"/>
-          </p:cNvSpPr>
-          <p:nvPr>
-            <p:ph type="subTitle" idx="1"/>
-          </p:nvPr>
-        </p:nvSpPr>
-        <p:spPr>
-          <a:xfrm>
-            <a:off x="1100051" y="5225240"/>
-            <a:ext cx="10058400" cy="1143000"/>
-          </a:xfrm>
-        </p:spPr>
-        <p:txBody>
-          <a:bodyPr>
-            <a:normAutofit/>
-          </a:bodyPr>
-          <a:lstStyle/>
-          <a:p>
-            <a:r>
-              <a:rPr lang="en-US">
-                <a:solidFill>
-                  <a:srgbClr val="FFFFFF"/>
-                </a:solidFill>
-              </a:rPr>
-              <a:t>- Neil Armstrong</a:t>
-            </a:r>
+              <a:t> Compute the spectral decay of the kernel</a:t>
+            </a:r>
+            <a:endParaRPr lang="en-US" dirty="0"/>
           </a:p>
         </p:txBody>
       </p:sp>
     </p:spTree>
     <p:extLst>
       <p:ext uri="{BB962C8B-B14F-4D97-AF65-F5344CB8AC3E}">
-        <p14:creationId xmlns:p14="http://schemas.microsoft.com/office/powerpoint/2010/main" val="191714609"/>
+        <p14:creationId xmlns:p14="http://schemas.microsoft.com/office/powerpoint/2010/main" val="3089442158"/>
       </p:ext>
     </p:extLst>
   </p:cSld>
@@ -4265,7 +4135,7 @@
           <p:cNvPr id="2" name="Title 1">
             <a:extLst>
               <a:ext uri="{FF2B5EF4-FFF2-40B4-BE49-F238E27FC236}">
-                <a16:creationId xmlns:a16="http://schemas.microsoft.com/office/drawing/2014/main" id="{A3B6075C-8C90-45BF-BC33-F019F33C5350}"/>
+                <a16:creationId xmlns:a16="http://schemas.microsoft.com/office/drawing/2014/main" id="{2E881CBB-5A8C-4185-9249-8ACC60873228}"/>
               </a:ext>
             </a:extLst>
           </p:cNvPr>
@@ -4278,67 +4148,78 @@
         </p:nvSpPr>
         <p:spPr/>
         <p:txBody>
+          <a:bodyPr>
+            <a:normAutofit/>
+          </a:bodyPr>
+          <a:lstStyle/>
+          <a:p>
+            <a:r>
+              <a:rPr lang="en-US" sz="4400" dirty="0"/>
+              <a:t>Overparametrized Neural Networks</a:t>
+            </a:r>
+          </a:p>
+        </p:txBody>
+      </p:sp>
+      <p:sp>
+        <p:nvSpPr>
+          <p:cNvPr id="3" name="Content Placeholder 2">
+            <a:extLst>
+              <a:ext uri="{FF2B5EF4-FFF2-40B4-BE49-F238E27FC236}">
+                <a16:creationId xmlns:a16="http://schemas.microsoft.com/office/drawing/2014/main" id="{FB148CE9-D6F7-4729-A6D1-779170788AD0}"/>
+              </a:ext>
+            </a:extLst>
+          </p:cNvPr>
+          <p:cNvSpPr>
+            <a:spLocks noGrp="1"/>
+          </p:cNvSpPr>
+          <p:nvPr>
+            <p:ph idx="1"/>
+          </p:nvPr>
+        </p:nvSpPr>
+        <p:spPr/>
+        <p:txBody>
           <a:bodyPr/>
           <a:lstStyle/>
           <a:p>
             <a:r>
               <a:rPr lang="en-US" dirty="0"/>
-              <a:t>Neural Tangent Kernel </a:t>
-            </a:r>
-          </a:p>
-        </p:txBody>
-      </p:sp>
-      <p:sp>
-        <p:nvSpPr>
-          <p:cNvPr id="3" name="Content Placeholder 2">
-            <a:extLst>
-              <a:ext uri="{FF2B5EF4-FFF2-40B4-BE49-F238E27FC236}">
-                <a16:creationId xmlns:a16="http://schemas.microsoft.com/office/drawing/2014/main" id="{534A4548-DE4C-4AA2-A290-CABE60F7331B}"/>
-              </a:ext>
-            </a:extLst>
-          </p:cNvPr>
-          <p:cNvSpPr>
-            <a:spLocks noGrp="1"/>
-          </p:cNvSpPr>
-          <p:nvPr>
-            <p:ph idx="1"/>
-          </p:nvPr>
-        </p:nvSpPr>
-        <p:spPr/>
-        <p:txBody>
-          <a:bodyPr/>
-          <a:lstStyle/>
+              <a:t>The great success of modern machine learning is largely attributed to the use of deep neural networks.</a:t>
+            </a:r>
+          </a:p>
           <a:p>
             <a:r>
               <a:rPr lang="en-US" dirty="0"/>
-              <a:t>Introduce NTK</a:t>
-            </a:r>
-          </a:p>
-          <a:p>
+              <a:t>It has been shown in the  limit of infinite neurons, the neural networks behave very similarly to kernel regression with a special kernel called {\</a:t>
+            </a:r>
+            <a:r>
+              <a:rPr lang="en-US" dirty="0" err="1"/>
+              <a:t>em</a:t>
+            </a:r>
             <a:r>
               <a:rPr lang="en-US" dirty="0"/>
-              <a:t>Investigating the reproducing kernel Hilbert space (RKHS) associated to the NTK. </a:t>
+              <a:t> Neural Tangent Kernel (NTK)}</a:t>
             </a:r>
           </a:p>
           <a:p>
             <a:r>
               <a:rPr lang="en-US" dirty="0"/>
-              <a:t>Studying the RKHS </a:t>
-            </a:r>
-            <a:r>
-              <a:rPr lang="en-US" dirty="0">
-                <a:sym typeface="Wingdings" panose="05000000000000000000" pitchFamily="2" charset="2"/>
-              </a:rPr>
-              <a:t> Compute the spectral decay of the kernel</a:t>
-            </a:r>
-            <a:endParaRPr lang="en-US" dirty="0"/>
+              <a:t>Therefore  understanding the theoretical properties of NTK (such as its spectral property and learnability) would help us better understand the convergence and generalization error of neural networks in the </a:t>
+            </a:r>
+            <a:r>
+              <a:rPr lang="en-US" dirty="0" err="1"/>
+              <a:t>overparamterization</a:t>
+            </a:r>
+            <a:r>
+              <a:rPr lang="en-US" dirty="0"/>
+              <a:t> regime</a:t>
+            </a:r>
           </a:p>
         </p:txBody>
       </p:sp>
     </p:spTree>
     <p:extLst>
       <p:ext uri="{BB962C8B-B14F-4D97-AF65-F5344CB8AC3E}">
-        <p14:creationId xmlns:p14="http://schemas.microsoft.com/office/powerpoint/2010/main" val="3089442158"/>
+        <p14:creationId xmlns:p14="http://schemas.microsoft.com/office/powerpoint/2010/main" val="1310663803"/>
       </p:ext>
     </p:extLst>
   </p:cSld>

--- a/presentation/NTK presentation.pptx
+++ b/presentation/NTK presentation.pptx
@@ -361,7 +361,7 @@
           <a:p>
             <a:fld id="{9184DA70-C731-4C70-880D-CCD4705E623C}" type="datetime1">
               <a:rPr lang="en-US" smtClean="0"/>
-              <a:t>7/23/2021</a:t>
+              <a:t>7/24/2021</a:t>
             </a:fld>
             <a:endParaRPr lang="en-US" dirty="0"/>
           </a:p>
@@ -549,7 +549,7 @@
           <a:p>
             <a:fld id="{B612A279-0833-481D-8C56-F67FD0AC6C50}" type="datetime1">
               <a:rPr lang="en-US" smtClean="0"/>
-              <a:t>7/23/2021</a:t>
+              <a:t>7/24/2021</a:t>
             </a:fld>
             <a:endParaRPr lang="en-US" dirty="0"/>
           </a:p>
@@ -791,7 +791,7 @@
           <a:p>
             <a:fld id="{6587DA83-5663-4C9C-B9AA-0B40A3DAFF81}" type="datetime1">
               <a:rPr lang="en-US" smtClean="0"/>
-              <a:t>7/23/2021</a:t>
+              <a:t>7/24/2021</a:t>
             </a:fld>
             <a:endParaRPr lang="en-US" dirty="0"/>
           </a:p>
@@ -979,7 +979,7 @@
           <a:p>
             <a:fld id="{4BE1D723-8F53-4F53-90B0-1982A396982E}" type="datetime1">
               <a:rPr lang="en-US" smtClean="0"/>
-              <a:t>7/23/2021</a:t>
+              <a:t>7/24/2021</a:t>
             </a:fld>
             <a:endParaRPr lang="en-US" dirty="0"/>
           </a:p>
@@ -1352,7 +1352,7 @@
           <a:p>
             <a:fld id="{97669AF7-7BEB-44E4-9852-375E34362B5B}" type="datetime1">
               <a:rPr lang="en-US" smtClean="0"/>
-              <a:t>7/23/2021</a:t>
+              <a:t>7/24/2021</a:t>
             </a:fld>
             <a:endParaRPr lang="en-US" dirty="0"/>
           </a:p>
@@ -1607,7 +1607,7 @@
           <a:p>
             <a:fld id="{BAAAC38D-0552-4C82-B593-E6124DFADBE2}" type="datetime1">
               <a:rPr lang="en-US" smtClean="0"/>
-              <a:t>7/23/2021</a:t>
+              <a:t>7/24/2021</a:t>
             </a:fld>
             <a:endParaRPr lang="en-US" dirty="0"/>
           </a:p>
@@ -2004,7 +2004,7 @@
           <a:p>
             <a:fld id="{D9DF0F1C-5577-4ACB-BB62-DF8F3C494C7E}" type="datetime1">
               <a:rPr lang="en-US" smtClean="0"/>
-              <a:t>7/23/2021</a:t>
+              <a:t>7/24/2021</a:t>
             </a:fld>
             <a:endParaRPr lang="en-US" dirty="0"/>
           </a:p>
@@ -2140,7 +2140,7 @@
           <a:p>
             <a:fld id="{1775B394-D9F9-4F0C-B15D-605F45CB9E9F}" type="datetime1">
               <a:rPr lang="en-US" smtClean="0"/>
-              <a:t>7/23/2021</a:t>
+              <a:t>7/24/2021</a:t>
             </a:fld>
             <a:endParaRPr lang="en-US" dirty="0"/>
           </a:p>
@@ -2297,7 +2297,7 @@
           <a:p>
             <a:fld id="{39667345-2558-425A-8533-9BFDBCE15005}" type="datetime1">
               <a:rPr lang="en-US" smtClean="0"/>
-              <a:t>7/23/2021</a:t>
+              <a:t>7/24/2021</a:t>
             </a:fld>
             <a:endParaRPr lang="en-US" dirty="0"/>
           </a:p>
@@ -2626,7 +2626,7 @@
           <a:p>
             <a:fld id="{92BEA474-078D-4E9B-9B14-09A87B19DC46}" type="datetime1">
               <a:rPr lang="en-US" smtClean="0"/>
-              <a:t>7/23/2021</a:t>
+              <a:t>7/24/2021</a:t>
             </a:fld>
             <a:endParaRPr lang="en-US" dirty="0"/>
           </a:p>
@@ -2976,7 +2976,7 @@
           <a:p>
             <a:fld id="{4907D986-8816-4272-A432-0437A28A9828}" type="datetime1">
               <a:rPr lang="en-US" smtClean="0"/>
-              <a:t>7/23/2021</a:t>
+              <a:t>7/24/2021</a:t>
             </a:fld>
             <a:endParaRPr lang="en-US" dirty="0"/>
           </a:p>
@@ -3237,7 +3237,7 @@
           <a:p>
             <a:fld id="{62D6E202-B606-4609-B914-27C9371A1F6D}" type="datetime1">
               <a:rPr lang="en-US" smtClean="0"/>
-              <a:t>7/23/2021</a:t>
+              <a:t>7/24/2021</a:t>
             </a:fld>
             <a:endParaRPr lang="en-US" dirty="0"/>
           </a:p>
@@ -4189,15 +4189,7 @@
           <a:p>
             <a:r>
               <a:rPr lang="en-US" dirty="0"/>
-              <a:t>It has been shown in the  limit of infinite neurons, the neural networks behave very similarly to kernel regression with a special kernel called {\</a:t>
-            </a:r>
-            <a:r>
-              <a:rPr lang="en-US" dirty="0" err="1"/>
-              <a:t>em</a:t>
-            </a:r>
-            <a:r>
-              <a:rPr lang="en-US" dirty="0"/>
-              <a:t> Neural Tangent Kernel (NTK)}</a:t>
+              <a:t>It has been shown in the  limit of infinite neurons, the neural networks behave very similarly to kernel regression with a special kernel called Neural Tangent Kernel (NTK)</a:t>
             </a:r>
           </a:p>
           <a:p>
